--- a/doc/presentation.pptx
+++ b/doc/presentation.pptx
@@ -11,6 +11,9 @@
     <p:sldId id="260" r:id="rId5"/>
     <p:sldId id="261" r:id="rId6"/>
     <p:sldId id="262" r:id="rId7"/>
+    <p:sldId id="263" r:id="rId8"/>
+    <p:sldId id="264" r:id="rId9"/>
+    <p:sldId id="265" r:id="rId10"/>
   </p:sldIdLst>
   <p:sldSz cx="12192000" cy="6858000"/>
   <p:notesSz cx="6858000" cy="9144000"/>
@@ -109,6 +112,11 @@
       </a:defRPr>
     </a:lvl9pPr>
   </p:defaultTextStyle>
+  <p:extLst>
+    <p:ext uri="{EFAFB233-063F-42B5-8137-9DF3F51BA10A}">
+      <p15:sldGuideLst xmlns:p15="http://schemas.microsoft.com/office/powerpoint/2012/main"/>
+    </p:ext>
+  </p:extLst>
 </p:presentation>
 </file>
 
@@ -297,7 +305,7 @@
           <a:p>
             <a:fld id="{14D8F07F-B5B4-415D-9054-BD935E8AF46C}" type="datetimeFigureOut">
               <a:rPr lang="es-ES" smtClean="0"/>
-              <a:t>07/01/2017</a:t>
+              <a:t>08/01/2017</a:t>
             </a:fld>
             <a:endParaRPr lang="es-ES"/>
           </a:p>
@@ -595,7 +603,7 @@
           <a:p>
             <a:fld id="{14D8F07F-B5B4-415D-9054-BD935E8AF46C}" type="datetimeFigureOut">
               <a:rPr lang="es-ES" smtClean="0"/>
-              <a:t>07/01/2017</a:t>
+              <a:t>08/01/2017</a:t>
             </a:fld>
             <a:endParaRPr lang="es-ES"/>
           </a:p>
@@ -787,7 +795,7 @@
           <a:p>
             <a:fld id="{14D8F07F-B5B4-415D-9054-BD935E8AF46C}" type="datetimeFigureOut">
               <a:rPr lang="es-ES" smtClean="0"/>
-              <a:t>07/01/2017</a:t>
+              <a:t>08/01/2017</a:t>
             </a:fld>
             <a:endParaRPr lang="es-ES"/>
           </a:p>
@@ -1048,7 +1056,7 @@
           <a:p>
             <a:fld id="{14D8F07F-B5B4-415D-9054-BD935E8AF46C}" type="datetimeFigureOut">
               <a:rPr lang="es-ES" smtClean="0"/>
-              <a:t>07/01/2017</a:t>
+              <a:t>08/01/2017</a:t>
             </a:fld>
             <a:endParaRPr lang="es-ES"/>
           </a:p>
@@ -1472,7 +1480,7 @@
           <a:p>
             <a:fld id="{14D8F07F-B5B4-415D-9054-BD935E8AF46C}" type="datetimeFigureOut">
               <a:rPr lang="es-ES" smtClean="0"/>
-              <a:t>07/01/2017</a:t>
+              <a:t>08/01/2017</a:t>
             </a:fld>
             <a:endParaRPr lang="es-ES"/>
           </a:p>
@@ -2009,7 +2017,7 @@
           <a:p>
             <a:fld id="{14D8F07F-B5B4-415D-9054-BD935E8AF46C}" type="datetimeFigureOut">
               <a:rPr lang="es-ES" smtClean="0"/>
-              <a:t>07/01/2017</a:t>
+              <a:t>08/01/2017</a:t>
             </a:fld>
             <a:endParaRPr lang="es-ES"/>
           </a:p>
@@ -2873,7 +2881,7 @@
           <a:p>
             <a:fld id="{14D8F07F-B5B4-415D-9054-BD935E8AF46C}" type="datetimeFigureOut">
               <a:rPr lang="es-ES" smtClean="0"/>
-              <a:t>07/01/2017</a:t>
+              <a:t>08/01/2017</a:t>
             </a:fld>
             <a:endParaRPr lang="es-ES"/>
           </a:p>
@@ -3043,7 +3051,7 @@
           <a:p>
             <a:fld id="{14D8F07F-B5B4-415D-9054-BD935E8AF46C}" type="datetimeFigureOut">
               <a:rPr lang="es-ES" smtClean="0"/>
-              <a:t>07/01/2017</a:t>
+              <a:t>08/01/2017</a:t>
             </a:fld>
             <a:endParaRPr lang="es-ES"/>
           </a:p>
@@ -3227,7 +3235,7 @@
           <a:p>
             <a:fld id="{14D8F07F-B5B4-415D-9054-BD935E8AF46C}" type="datetimeFigureOut">
               <a:rPr lang="es-ES" smtClean="0"/>
-              <a:t>07/01/2017</a:t>
+              <a:t>08/01/2017</a:t>
             </a:fld>
             <a:endParaRPr lang="es-ES"/>
           </a:p>
@@ -3397,7 +3405,7 @@
           <a:p>
             <a:fld id="{14D8F07F-B5B4-415D-9054-BD935E8AF46C}" type="datetimeFigureOut">
               <a:rPr lang="es-ES" smtClean="0"/>
-              <a:t>07/01/2017</a:t>
+              <a:t>08/01/2017</a:t>
             </a:fld>
             <a:endParaRPr lang="es-ES"/>
           </a:p>
@@ -3641,7 +3649,7 @@
           <a:p>
             <a:fld id="{14D8F07F-B5B4-415D-9054-BD935E8AF46C}" type="datetimeFigureOut">
               <a:rPr lang="es-ES" smtClean="0"/>
-              <a:t>07/01/2017</a:t>
+              <a:t>08/01/2017</a:t>
             </a:fld>
             <a:endParaRPr lang="es-ES"/>
           </a:p>
@@ -3877,7 +3885,7 @@
           <a:p>
             <a:fld id="{14D8F07F-B5B4-415D-9054-BD935E8AF46C}" type="datetimeFigureOut">
               <a:rPr lang="es-ES" smtClean="0"/>
-              <a:t>07/01/2017</a:t>
+              <a:t>08/01/2017</a:t>
             </a:fld>
             <a:endParaRPr lang="es-ES"/>
           </a:p>
@@ -4343,7 +4351,7 @@
           <a:p>
             <a:fld id="{14D8F07F-B5B4-415D-9054-BD935E8AF46C}" type="datetimeFigureOut">
               <a:rPr lang="es-ES" smtClean="0"/>
-              <a:t>07/01/2017</a:t>
+              <a:t>08/01/2017</a:t>
             </a:fld>
             <a:endParaRPr lang="es-ES"/>
           </a:p>
@@ -4461,7 +4469,7 @@
           <a:p>
             <a:fld id="{14D8F07F-B5B4-415D-9054-BD935E8AF46C}" type="datetimeFigureOut">
               <a:rPr lang="es-ES" smtClean="0"/>
-              <a:t>07/01/2017</a:t>
+              <a:t>08/01/2017</a:t>
             </a:fld>
             <a:endParaRPr lang="es-ES"/>
           </a:p>
@@ -4556,7 +4564,7 @@
           <a:p>
             <a:fld id="{14D8F07F-B5B4-415D-9054-BD935E8AF46C}" type="datetimeFigureOut">
               <a:rPr lang="es-ES" smtClean="0"/>
-              <a:t>07/01/2017</a:t>
+              <a:t>08/01/2017</a:t>
             </a:fld>
             <a:endParaRPr lang="es-ES"/>
           </a:p>
@@ -4811,7 +4819,7 @@
           <a:p>
             <a:fld id="{14D8F07F-B5B4-415D-9054-BD935E8AF46C}" type="datetimeFigureOut">
               <a:rPr lang="es-ES" smtClean="0"/>
-              <a:t>07/01/2017</a:t>
+              <a:t>08/01/2017</a:t>
             </a:fld>
             <a:endParaRPr lang="es-ES"/>
           </a:p>
@@ -5111,7 +5119,7 @@
           <a:p>
             <a:fld id="{14D8F07F-B5B4-415D-9054-BD935E8AF46C}" type="datetimeFigureOut">
               <a:rPr lang="es-ES" smtClean="0"/>
-              <a:t>07/01/2017</a:t>
+              <a:t>08/01/2017</a:t>
             </a:fld>
             <a:endParaRPr lang="es-ES"/>
           </a:p>
@@ -5345,7 +5353,7 @@
           <a:p>
             <a:fld id="{14D8F07F-B5B4-415D-9054-BD935E8AF46C}" type="datetimeFigureOut">
               <a:rPr lang="es-ES" smtClean="0"/>
-              <a:t>07/01/2017</a:t>
+              <a:t>08/01/2017</a:t>
             </a:fld>
             <a:endParaRPr lang="es-ES"/>
           </a:p>
@@ -6486,6 +6494,36 @@
           </a:p>
         </p:txBody>
       </p:sp>
+      <p:pic>
+        <p:nvPicPr>
+          <p:cNvPr id="4" name="Imagen 3"/>
+          <p:cNvPicPr>
+            <a:picLocks noChangeAspect="1"/>
+          </p:cNvPicPr>
+          <p:nvPr/>
+        </p:nvPicPr>
+        <p:blipFill>
+          <a:blip r:embed="rId2">
+            <a:extLst>
+              <a:ext uri="{28A0092B-C50C-407E-A947-70E740481C1C}">
+                <a14:useLocalDpi xmlns:a14="http://schemas.microsoft.com/office/drawing/2010/main" val="0"/>
+              </a:ext>
+            </a:extLst>
+          </a:blip>
+          <a:stretch>
+            <a:fillRect/>
+          </a:stretch>
+        </p:blipFill>
+        <p:spPr>
+          <a:xfrm>
+            <a:off x="4596911" y="3428999"/>
+            <a:ext cx="2880000" cy="2787096"/>
+          </a:xfrm>
+          <a:prstGeom prst="rect">
+            <a:avLst/>
+          </a:prstGeom>
+        </p:spPr>
+      </p:pic>
     </p:spTree>
     <p:extLst>
       <p:ext uri="{BB962C8B-B14F-4D97-AF65-F5344CB8AC3E}">
@@ -6805,10 +6843,723 @@
           <a:chExt cx="0" cy="0"/>
         </a:xfrm>
       </p:grpSpPr>
+      <p:sp>
+        <p:nvSpPr>
+          <p:cNvPr id="2" name="CuadroTexto 1"/>
+          <p:cNvSpPr txBox="1"/>
+          <p:nvPr/>
+        </p:nvSpPr>
+        <p:spPr>
+          <a:xfrm>
+            <a:off x="655906" y="283463"/>
+            <a:ext cx="11050461" cy="769441"/>
+          </a:xfrm>
+          <a:prstGeom prst="rect">
+            <a:avLst/>
+          </a:prstGeom>
+          <a:noFill/>
+        </p:spPr>
+        <p:txBody>
+          <a:bodyPr wrap="none" rtlCol="0">
+            <a:spAutoFit/>
+          </a:bodyPr>
+          <a:lstStyle/>
+          <a:p>
+            <a:r>
+              <a:rPr lang="es-ES" sz="4400" b="1" dirty="0"/>
+              <a:t>Extracción, transformación y carga de datos</a:t>
+            </a:r>
+          </a:p>
+        </p:txBody>
+      </p:sp>
+      <p:pic>
+        <p:nvPicPr>
+          <p:cNvPr id="3" name="Imagen 2"/>
+          <p:cNvPicPr>
+            <a:picLocks noChangeAspect="1"/>
+          </p:cNvPicPr>
+          <p:nvPr/>
+        </p:nvPicPr>
+        <p:blipFill>
+          <a:blip r:embed="rId2">
+            <a:extLst>
+              <a:ext uri="{28A0092B-C50C-407E-A947-70E740481C1C}">
+                <a14:useLocalDpi xmlns:a14="http://schemas.microsoft.com/office/drawing/2010/main" val="0"/>
+              </a:ext>
+            </a:extLst>
+          </a:blip>
+          <a:stretch>
+            <a:fillRect/>
+          </a:stretch>
+        </p:blipFill>
+        <p:spPr>
+          <a:xfrm>
+            <a:off x="4778216" y="4353445"/>
+            <a:ext cx="1800000" cy="1800000"/>
+          </a:xfrm>
+          <a:prstGeom prst="rect">
+            <a:avLst/>
+          </a:prstGeom>
+        </p:spPr>
+      </p:pic>
+      <p:pic>
+        <p:nvPicPr>
+          <p:cNvPr id="4" name="Imagen 3"/>
+          <p:cNvPicPr>
+            <a:picLocks noChangeAspect="1"/>
+          </p:cNvPicPr>
+          <p:nvPr/>
+        </p:nvPicPr>
+        <p:blipFill>
+          <a:blip r:embed="rId3">
+            <a:extLst>
+              <a:ext uri="{28A0092B-C50C-407E-A947-70E740481C1C}">
+                <a14:useLocalDpi xmlns:a14="http://schemas.microsoft.com/office/drawing/2010/main" val="0"/>
+              </a:ext>
+            </a:extLst>
+          </a:blip>
+          <a:stretch>
+            <a:fillRect/>
+          </a:stretch>
+        </p:blipFill>
+        <p:spPr>
+          <a:xfrm>
+            <a:off x="4725280" y="1428884"/>
+            <a:ext cx="1800000" cy="2316600"/>
+          </a:xfrm>
+          <a:prstGeom prst="rect">
+            <a:avLst/>
+          </a:prstGeom>
+        </p:spPr>
+      </p:pic>
+      <p:pic>
+        <p:nvPicPr>
+          <p:cNvPr id="5" name="Imagen 4"/>
+          <p:cNvPicPr>
+            <a:picLocks noChangeAspect="1"/>
+          </p:cNvPicPr>
+          <p:nvPr/>
+        </p:nvPicPr>
+        <p:blipFill>
+          <a:blip r:embed="rId4">
+            <a:extLst>
+              <a:ext uri="{28A0092B-C50C-407E-A947-70E740481C1C}">
+                <a14:useLocalDpi xmlns:a14="http://schemas.microsoft.com/office/drawing/2010/main" val="0"/>
+              </a:ext>
+            </a:extLst>
+          </a:blip>
+          <a:stretch>
+            <a:fillRect/>
+          </a:stretch>
+        </p:blipFill>
+        <p:spPr>
+          <a:xfrm>
+            <a:off x="8642776" y="2723974"/>
+            <a:ext cx="2880000" cy="1490400"/>
+          </a:xfrm>
+          <a:prstGeom prst="rect">
+            <a:avLst/>
+          </a:prstGeom>
+        </p:spPr>
+      </p:pic>
+      <p:pic>
+        <p:nvPicPr>
+          <p:cNvPr id="6" name="Imagen 5"/>
+          <p:cNvPicPr>
+            <a:picLocks noChangeAspect="1"/>
+          </p:cNvPicPr>
+          <p:nvPr/>
+        </p:nvPicPr>
+        <p:blipFill>
+          <a:blip r:embed="rId5">
+            <a:extLst>
+              <a:ext uri="{28A0092B-C50C-407E-A947-70E740481C1C}">
+                <a14:useLocalDpi xmlns:a14="http://schemas.microsoft.com/office/drawing/2010/main" val="0"/>
+              </a:ext>
+            </a:extLst>
+          </a:blip>
+          <a:stretch>
+            <a:fillRect/>
+          </a:stretch>
+        </p:blipFill>
+        <p:spPr>
+          <a:xfrm>
+            <a:off x="913656" y="2884885"/>
+            <a:ext cx="1800000" cy="1651613"/>
+          </a:xfrm>
+          <a:prstGeom prst="rect">
+            <a:avLst/>
+          </a:prstGeom>
+        </p:spPr>
+      </p:pic>
+      <p:sp>
+        <p:nvSpPr>
+          <p:cNvPr id="11" name="Flecha: a la derecha 10"/>
+          <p:cNvSpPr/>
+          <p:nvPr/>
+        </p:nvSpPr>
+        <p:spPr>
+          <a:xfrm>
+            <a:off x="3159756" y="3210566"/>
+            <a:ext cx="1225296" cy="1000252"/>
+          </a:xfrm>
+          <a:prstGeom prst="rightArrow">
+            <a:avLst/>
+          </a:prstGeom>
+          <a:ln>
+            <a:headEnd type="none" w="med" len="med"/>
+            <a:tailEnd type="none" w="med" len="med"/>
+          </a:ln>
+        </p:spPr>
+        <p:style>
+          <a:lnRef idx="1">
+            <a:schemeClr val="accent1"/>
+          </a:lnRef>
+          <a:fillRef idx="3">
+            <a:schemeClr val="accent1"/>
+          </a:fillRef>
+          <a:effectRef idx="2">
+            <a:schemeClr val="accent1"/>
+          </a:effectRef>
+          <a:fontRef idx="minor">
+            <a:schemeClr val="lt1"/>
+          </a:fontRef>
+        </p:style>
+        <p:txBody>
+          <a:bodyPr rtlCol="0" anchor="ctr"/>
+          <a:lstStyle/>
+          <a:p>
+            <a:pPr algn="ctr"/>
+            <a:endParaRPr lang="es-ES"/>
+          </a:p>
+        </p:txBody>
+      </p:sp>
+      <p:sp>
+        <p:nvSpPr>
+          <p:cNvPr id="12" name="Flecha: a la derecha 11"/>
+          <p:cNvSpPr/>
+          <p:nvPr/>
+        </p:nvSpPr>
+        <p:spPr>
+          <a:xfrm>
+            <a:off x="6971380" y="3210566"/>
+            <a:ext cx="1225296" cy="1000252"/>
+          </a:xfrm>
+          <a:prstGeom prst="rightArrow">
+            <a:avLst/>
+          </a:prstGeom>
+          <a:ln>
+            <a:headEnd type="none" w="med" len="med"/>
+            <a:tailEnd type="none" w="med" len="med"/>
+          </a:ln>
+        </p:spPr>
+        <p:style>
+          <a:lnRef idx="1">
+            <a:schemeClr val="accent1"/>
+          </a:lnRef>
+          <a:fillRef idx="3">
+            <a:schemeClr val="accent1"/>
+          </a:fillRef>
+          <a:effectRef idx="2">
+            <a:schemeClr val="accent1"/>
+          </a:effectRef>
+          <a:fontRef idx="minor">
+            <a:schemeClr val="lt1"/>
+          </a:fontRef>
+        </p:style>
+        <p:txBody>
+          <a:bodyPr rtlCol="0" anchor="ctr"/>
+          <a:lstStyle/>
+          <a:p>
+            <a:pPr algn="ctr"/>
+            <a:endParaRPr lang="es-ES"/>
+          </a:p>
+        </p:txBody>
+      </p:sp>
     </p:spTree>
     <p:extLst>
       <p:ext uri="{BB962C8B-B14F-4D97-AF65-F5344CB8AC3E}">
         <p14:creationId xmlns:p14="http://schemas.microsoft.com/office/powerpoint/2010/main" val="331844452"/>
+      </p:ext>
+    </p:extLst>
+  </p:cSld>
+  <p:clrMapOvr>
+    <a:masterClrMapping/>
+  </p:clrMapOvr>
+</p:sld>
+</file>
+
+<file path=ppt/slides/slide7.xml><?xml version="1.0" encoding="utf-8"?>
+<p:sld xmlns:a="http://schemas.openxmlformats.org/drawingml/2006/main" xmlns:r="http://schemas.openxmlformats.org/officeDocument/2006/relationships" xmlns:p="http://schemas.openxmlformats.org/presentationml/2006/main">
+  <p:cSld>
+    <p:spTree>
+      <p:nvGrpSpPr>
+        <p:cNvPr id="1" name=""/>
+        <p:cNvGrpSpPr/>
+        <p:nvPr/>
+      </p:nvGrpSpPr>
+      <p:grpSpPr>
+        <a:xfrm>
+          <a:off x="0" y="0"/>
+          <a:ext cx="0" cy="0"/>
+          <a:chOff x="0" y="0"/>
+          <a:chExt cx="0" cy="0"/>
+        </a:xfrm>
+      </p:grpSpPr>
+      <p:sp>
+        <p:nvSpPr>
+          <p:cNvPr id="2" name="CuadroTexto 1"/>
+          <p:cNvSpPr txBox="1"/>
+          <p:nvPr/>
+        </p:nvSpPr>
+        <p:spPr>
+          <a:xfrm>
+            <a:off x="4251592" y="237391"/>
+            <a:ext cx="3586238" cy="830997"/>
+          </a:xfrm>
+          <a:prstGeom prst="rect">
+            <a:avLst/>
+          </a:prstGeom>
+          <a:noFill/>
+        </p:spPr>
+        <p:txBody>
+          <a:bodyPr wrap="none" rtlCol="0">
+            <a:spAutoFit/>
+          </a:bodyPr>
+          <a:lstStyle/>
+          <a:p>
+            <a:r>
+              <a:rPr lang="es-ES" sz="4800" b="1" dirty="0"/>
+              <a:t>Cubo OLAP</a:t>
+            </a:r>
+          </a:p>
+        </p:txBody>
+      </p:sp>
+      <p:pic>
+        <p:nvPicPr>
+          <p:cNvPr id="5" name="Imagen 4"/>
+          <p:cNvPicPr>
+            <a:picLocks noChangeAspect="1"/>
+          </p:cNvPicPr>
+          <p:nvPr/>
+        </p:nvPicPr>
+        <p:blipFill>
+          <a:blip r:embed="rId2"/>
+          <a:stretch>
+            <a:fillRect/>
+          </a:stretch>
+        </p:blipFill>
+        <p:spPr>
+          <a:xfrm>
+            <a:off x="380147" y="237391"/>
+            <a:ext cx="2345468" cy="6284259"/>
+          </a:xfrm>
+          <a:prstGeom prst="rect">
+            <a:avLst/>
+          </a:prstGeom>
+        </p:spPr>
+      </p:pic>
+      <p:pic>
+        <p:nvPicPr>
+          <p:cNvPr id="6" name="Imagen 5"/>
+          <p:cNvPicPr>
+            <a:picLocks noChangeAspect="1"/>
+          </p:cNvPicPr>
+          <p:nvPr/>
+        </p:nvPicPr>
+        <p:blipFill>
+          <a:blip r:embed="rId3"/>
+          <a:stretch>
+            <a:fillRect/>
+          </a:stretch>
+        </p:blipFill>
+        <p:spPr>
+          <a:xfrm>
+            <a:off x="9363807" y="237391"/>
+            <a:ext cx="2477827" cy="6284259"/>
+          </a:xfrm>
+          <a:prstGeom prst="rect">
+            <a:avLst/>
+          </a:prstGeom>
+        </p:spPr>
+      </p:pic>
+      <p:sp>
+        <p:nvSpPr>
+          <p:cNvPr id="7" name="CuadroTexto 6"/>
+          <p:cNvSpPr txBox="1"/>
+          <p:nvPr/>
+        </p:nvSpPr>
+        <p:spPr>
+          <a:xfrm>
+            <a:off x="3114510" y="1587627"/>
+            <a:ext cx="3613490" cy="584775"/>
+          </a:xfrm>
+          <a:prstGeom prst="rect">
+            <a:avLst/>
+          </a:prstGeom>
+          <a:noFill/>
+        </p:spPr>
+        <p:txBody>
+          <a:bodyPr wrap="none" rtlCol="0">
+            <a:spAutoFit/>
+          </a:bodyPr>
+          <a:lstStyle/>
+          <a:p>
+            <a:pPr marL="285750" indent="-285750">
+              <a:buFont typeface="Arial" panose="020B0604020202020204" pitchFamily="34" charset="0"/>
+              <a:buChar char="•"/>
+            </a:pPr>
+            <a:r>
+              <a:rPr lang="es-ES" sz="3200" dirty="0"/>
+              <a:t>Punto kilométrico</a:t>
+            </a:r>
+          </a:p>
+        </p:txBody>
+      </p:sp>
+      <p:sp>
+        <p:nvSpPr>
+          <p:cNvPr id="8" name="CuadroTexto 7"/>
+          <p:cNvSpPr txBox="1"/>
+          <p:nvPr/>
+        </p:nvSpPr>
+        <p:spPr>
+          <a:xfrm>
+            <a:off x="7083264" y="1587626"/>
+            <a:ext cx="1509131" cy="584775"/>
+          </a:xfrm>
+          <a:prstGeom prst="rect">
+            <a:avLst/>
+          </a:prstGeom>
+          <a:noFill/>
+        </p:spPr>
+        <p:txBody>
+          <a:bodyPr wrap="none" rtlCol="0">
+            <a:spAutoFit/>
+          </a:bodyPr>
+          <a:lstStyle/>
+          <a:p>
+            <a:pPr marL="285750" indent="-285750">
+              <a:buFont typeface="Arial" panose="020B0604020202020204" pitchFamily="34" charset="0"/>
+              <a:buChar char="•"/>
+            </a:pPr>
+            <a:r>
+              <a:rPr lang="es-ES" sz="3200" dirty="0"/>
+              <a:t>Fecha</a:t>
+            </a:r>
+          </a:p>
+        </p:txBody>
+      </p:sp>
+      <p:sp>
+        <p:nvSpPr>
+          <p:cNvPr id="9" name="CuadroTexto 8"/>
+          <p:cNvSpPr txBox="1"/>
+          <p:nvPr/>
+        </p:nvSpPr>
+        <p:spPr>
+          <a:xfrm>
+            <a:off x="3151143" y="3040248"/>
+            <a:ext cx="2342308" cy="584775"/>
+          </a:xfrm>
+          <a:prstGeom prst="rect">
+            <a:avLst/>
+          </a:prstGeom>
+          <a:noFill/>
+        </p:spPr>
+        <p:txBody>
+          <a:bodyPr wrap="none" rtlCol="0">
+            <a:spAutoFit/>
+          </a:bodyPr>
+          <a:lstStyle/>
+          <a:p>
+            <a:pPr marL="285750" indent="-285750">
+              <a:buFont typeface="Arial" panose="020B0604020202020204" pitchFamily="34" charset="0"/>
+              <a:buChar char="•"/>
+            </a:pPr>
+            <a:r>
+              <a:rPr lang="es-ES" sz="3200" dirty="0"/>
+              <a:t>Conductor</a:t>
+            </a:r>
+          </a:p>
+        </p:txBody>
+      </p:sp>
+      <p:sp>
+        <p:nvSpPr>
+          <p:cNvPr id="10" name="CuadroTexto 9"/>
+          <p:cNvSpPr txBox="1"/>
+          <p:nvPr/>
+        </p:nvSpPr>
+        <p:spPr>
+          <a:xfrm>
+            <a:off x="7083264" y="3040247"/>
+            <a:ext cx="2003497" cy="584775"/>
+          </a:xfrm>
+          <a:prstGeom prst="rect">
+            <a:avLst/>
+          </a:prstGeom>
+          <a:noFill/>
+        </p:spPr>
+        <p:txBody>
+          <a:bodyPr wrap="none" rtlCol="0">
+            <a:spAutoFit/>
+          </a:bodyPr>
+          <a:lstStyle/>
+          <a:p>
+            <a:pPr marL="285750" indent="-285750">
+              <a:buFont typeface="Arial" panose="020B0604020202020204" pitchFamily="34" charset="0"/>
+              <a:buChar char="•"/>
+            </a:pPr>
+            <a:r>
+              <a:rPr lang="es-ES" sz="3200" dirty="0"/>
+              <a:t>Vehículo</a:t>
+            </a:r>
+          </a:p>
+        </p:txBody>
+      </p:sp>
+      <p:sp>
+        <p:nvSpPr>
+          <p:cNvPr id="11" name="CuadroTexto 10"/>
+          <p:cNvSpPr txBox="1"/>
+          <p:nvPr/>
+        </p:nvSpPr>
+        <p:spPr>
+          <a:xfrm>
+            <a:off x="4921255" y="3965330"/>
+            <a:ext cx="2700996" cy="2308324"/>
+          </a:xfrm>
+          <a:prstGeom prst="rect">
+            <a:avLst/>
+          </a:prstGeom>
+          <a:noFill/>
+        </p:spPr>
+        <p:txBody>
+          <a:bodyPr wrap="none" rtlCol="0">
+            <a:spAutoFit/>
+          </a:bodyPr>
+          <a:lstStyle/>
+          <a:p>
+            <a:pPr marL="285750" indent="-285750">
+              <a:lnSpc>
+                <a:spcPct val="150000"/>
+              </a:lnSpc>
+              <a:buFont typeface="Arial" panose="020B0604020202020204" pitchFamily="34" charset="0"/>
+              <a:buChar char="•"/>
+            </a:pPr>
+            <a:r>
+              <a:rPr lang="es-ES" sz="3200" dirty="0"/>
+              <a:t>Tipo</a:t>
+            </a:r>
+          </a:p>
+          <a:p>
+            <a:pPr marL="285750" indent="-285750">
+              <a:lnSpc>
+                <a:spcPct val="150000"/>
+              </a:lnSpc>
+              <a:buFont typeface="Arial" panose="020B0604020202020204" pitchFamily="34" charset="0"/>
+              <a:buChar char="•"/>
+            </a:pPr>
+            <a:r>
+              <a:rPr lang="es-ES" sz="3200" dirty="0"/>
+              <a:t>Descripción</a:t>
+            </a:r>
+          </a:p>
+          <a:p>
+            <a:pPr marL="285750" indent="-285750">
+              <a:lnSpc>
+                <a:spcPct val="150000"/>
+              </a:lnSpc>
+              <a:buFont typeface="Arial" panose="020B0604020202020204" pitchFamily="34" charset="0"/>
+              <a:buChar char="•"/>
+            </a:pPr>
+            <a:r>
+              <a:rPr lang="es-ES" sz="3200" dirty="0"/>
+              <a:t>Penalización</a:t>
+            </a:r>
+          </a:p>
+        </p:txBody>
+      </p:sp>
+    </p:spTree>
+    <p:extLst>
+      <p:ext uri="{BB962C8B-B14F-4D97-AF65-F5344CB8AC3E}">
+        <p14:creationId xmlns:p14="http://schemas.microsoft.com/office/powerpoint/2010/main" val="3468304425"/>
+      </p:ext>
+    </p:extLst>
+  </p:cSld>
+  <p:clrMapOvr>
+    <a:masterClrMapping/>
+  </p:clrMapOvr>
+</p:sld>
+</file>
+
+<file path=ppt/slides/slide8.xml><?xml version="1.0" encoding="utf-8"?>
+<p:sld xmlns:a="http://schemas.openxmlformats.org/drawingml/2006/main" xmlns:r="http://schemas.openxmlformats.org/officeDocument/2006/relationships" xmlns:p="http://schemas.openxmlformats.org/presentationml/2006/main">
+  <p:cSld>
+    <p:spTree>
+      <p:nvGrpSpPr>
+        <p:cNvPr id="1" name=""/>
+        <p:cNvGrpSpPr/>
+        <p:nvPr/>
+      </p:nvGrpSpPr>
+      <p:grpSpPr>
+        <a:xfrm>
+          <a:off x="0" y="0"/>
+          <a:ext cx="0" cy="0"/>
+          <a:chOff x="0" y="0"/>
+          <a:chExt cx="0" cy="0"/>
+        </a:xfrm>
+      </p:grpSpPr>
+      <p:sp>
+        <p:nvSpPr>
+          <p:cNvPr id="2" name="CuadroTexto 1"/>
+          <p:cNvSpPr txBox="1"/>
+          <p:nvPr/>
+        </p:nvSpPr>
+        <p:spPr>
+          <a:xfrm>
+            <a:off x="3732846" y="272560"/>
+            <a:ext cx="4624984" cy="830997"/>
+          </a:xfrm>
+          <a:prstGeom prst="rect">
+            <a:avLst/>
+          </a:prstGeom>
+          <a:noFill/>
+        </p:spPr>
+        <p:txBody>
+          <a:bodyPr wrap="none" rtlCol="0">
+            <a:spAutoFit/>
+          </a:bodyPr>
+          <a:lstStyle/>
+          <a:p>
+            <a:r>
+              <a:rPr lang="es-ES" sz="4800" b="1" dirty="0"/>
+              <a:t>Consultas MDX</a:t>
+            </a:r>
+          </a:p>
+        </p:txBody>
+      </p:sp>
+      <p:pic>
+        <p:nvPicPr>
+          <p:cNvPr id="3" name="Imagen 2"/>
+          <p:cNvPicPr>
+            <a:picLocks noChangeAspect="1"/>
+          </p:cNvPicPr>
+          <p:nvPr/>
+        </p:nvPicPr>
+        <p:blipFill>
+          <a:blip r:embed="rId2">
+            <a:extLst>
+              <a:ext uri="{28A0092B-C50C-407E-A947-70E740481C1C}">
+                <a14:useLocalDpi xmlns:a14="http://schemas.microsoft.com/office/drawing/2010/main" val="0"/>
+              </a:ext>
+            </a:extLst>
+          </a:blip>
+          <a:stretch>
+            <a:fillRect/>
+          </a:stretch>
+        </p:blipFill>
+        <p:spPr>
+          <a:xfrm>
+            <a:off x="2213787" y="1694424"/>
+            <a:ext cx="3184690" cy="4035148"/>
+          </a:xfrm>
+          <a:prstGeom prst="rect">
+            <a:avLst/>
+          </a:prstGeom>
+        </p:spPr>
+      </p:pic>
+      <p:pic>
+        <p:nvPicPr>
+          <p:cNvPr id="4" name="Imagen 3"/>
+          <p:cNvPicPr>
+            <a:picLocks noChangeAspect="1"/>
+          </p:cNvPicPr>
+          <p:nvPr/>
+        </p:nvPicPr>
+        <p:blipFill>
+          <a:blip r:embed="rId3">
+            <a:extLst>
+              <a:ext uri="{28A0092B-C50C-407E-A947-70E740481C1C}">
+                <a14:useLocalDpi xmlns:a14="http://schemas.microsoft.com/office/drawing/2010/main" val="0"/>
+              </a:ext>
+            </a:extLst>
+          </a:blip>
+          <a:stretch>
+            <a:fillRect/>
+          </a:stretch>
+        </p:blipFill>
+        <p:spPr>
+          <a:xfrm>
+            <a:off x="6433838" y="1694424"/>
+            <a:ext cx="3433755" cy="4035148"/>
+          </a:xfrm>
+          <a:prstGeom prst="rect">
+            <a:avLst/>
+          </a:prstGeom>
+        </p:spPr>
+      </p:pic>
+    </p:spTree>
+    <p:extLst>
+      <p:ext uri="{BB962C8B-B14F-4D97-AF65-F5344CB8AC3E}">
+        <p14:creationId xmlns:p14="http://schemas.microsoft.com/office/powerpoint/2010/main" val="1168037754"/>
+      </p:ext>
+    </p:extLst>
+  </p:cSld>
+  <p:clrMapOvr>
+    <a:masterClrMapping/>
+  </p:clrMapOvr>
+</p:sld>
+</file>
+
+<file path=ppt/slides/slide9.xml><?xml version="1.0" encoding="utf-8"?>
+<p:sld xmlns:a="http://schemas.openxmlformats.org/drawingml/2006/main" xmlns:r="http://schemas.openxmlformats.org/officeDocument/2006/relationships" xmlns:p="http://schemas.openxmlformats.org/presentationml/2006/main">
+  <p:cSld>
+    <p:spTree>
+      <p:nvGrpSpPr>
+        <p:cNvPr id="1" name=""/>
+        <p:cNvGrpSpPr/>
+        <p:nvPr/>
+      </p:nvGrpSpPr>
+      <p:grpSpPr>
+        <a:xfrm>
+          <a:off x="0" y="0"/>
+          <a:ext cx="0" cy="0"/>
+          <a:chOff x="0" y="0"/>
+          <a:chExt cx="0" cy="0"/>
+        </a:xfrm>
+      </p:grpSpPr>
+      <p:pic>
+        <p:nvPicPr>
+          <p:cNvPr id="3" name="Imagen 2"/>
+          <p:cNvPicPr>
+            <a:picLocks noChangeAspect="1"/>
+          </p:cNvPicPr>
+          <p:nvPr/>
+        </p:nvPicPr>
+        <p:blipFill>
+          <a:blip r:embed="rId2">
+            <a:extLst>
+              <a:ext uri="{28A0092B-C50C-407E-A947-70E740481C1C}">
+                <a14:useLocalDpi xmlns:a14="http://schemas.microsoft.com/office/drawing/2010/main" val="0"/>
+              </a:ext>
+            </a:extLst>
+          </a:blip>
+          <a:stretch>
+            <a:fillRect/>
+          </a:stretch>
+        </p:blipFill>
+        <p:spPr>
+          <a:xfrm>
+            <a:off x="3109280" y="537162"/>
+            <a:ext cx="6120000" cy="5798700"/>
+          </a:xfrm>
+          <a:prstGeom prst="rect">
+            <a:avLst/>
+          </a:prstGeom>
+        </p:spPr>
+      </p:pic>
+    </p:spTree>
+    <p:extLst>
+      <p:ext uri="{BB962C8B-B14F-4D97-AF65-F5344CB8AC3E}">
+        <p14:creationId xmlns:p14="http://schemas.microsoft.com/office/powerpoint/2010/main" val="3996853398"/>
       </p:ext>
     </p:extLst>
   </p:cSld>
